--- a/doc/3.HTTP & Restful.pptx
+++ b/doc/3.HTTP & Restful.pptx
@@ -5,7 +5,7 @@
     <p:sldMasterId id="2147483648" r:id="rId1"/>
   </p:sldMasterIdLst>
   <p:notesMasterIdLst>
-    <p:notesMasterId r:id="rId10"/>
+    <p:notesMasterId r:id="rId11"/>
   </p:notesMasterIdLst>
   <p:sldIdLst>
     <p:sldId id="256" r:id="rId2"/>
@@ -16,6 +16,7 @@
     <p:sldId id="264" r:id="rId7"/>
     <p:sldId id="260" r:id="rId8"/>
     <p:sldId id="259" r:id="rId9"/>
+    <p:sldId id="265" r:id="rId10"/>
   </p:sldIdLst>
   <p:sldSz cx="9144000" cy="6858000" type="screen4x3"/>
   <p:notesSz cx="6858000" cy="9144000"/>
@@ -199,7 +200,7 @@
           <a:p>
             <a:fld id="{B86859C3-2692-784F-AC34-40A9E7B69405}" type="datetimeFigureOut">
               <a:rPr kumimoji="1" lang="zh-CN" altLang="en-US" smtClean="0"/>
-              <a:t>17/2/22</a:t>
+              <a:t>17/3/3</a:t>
             </a:fld>
             <a:endParaRPr kumimoji="1" lang="zh-CN" altLang="en-US"/>
           </a:p>
@@ -1767,7 +1768,7 @@
           <a:p>
             <a:fld id="{D7B12BEA-236C-5749-AF49-060B228B08C5}" type="datetimeFigureOut">
               <a:rPr kumimoji="1" lang="zh-CN" altLang="en-US" smtClean="0"/>
-              <a:t>17/2/22</a:t>
+              <a:t>17/3/3</a:t>
             </a:fld>
             <a:endParaRPr kumimoji="1" lang="zh-CN" altLang="en-US"/>
           </a:p>
@@ -1937,7 +1938,7 @@
           <a:p>
             <a:fld id="{D7B12BEA-236C-5749-AF49-060B228B08C5}" type="datetimeFigureOut">
               <a:rPr kumimoji="1" lang="zh-CN" altLang="en-US" smtClean="0"/>
-              <a:t>17/2/22</a:t>
+              <a:t>17/3/3</a:t>
             </a:fld>
             <a:endParaRPr kumimoji="1" lang="zh-CN" altLang="en-US"/>
           </a:p>
@@ -2117,7 +2118,7 @@
           <a:p>
             <a:fld id="{D7B12BEA-236C-5749-AF49-060B228B08C5}" type="datetimeFigureOut">
               <a:rPr kumimoji="1" lang="zh-CN" altLang="en-US" smtClean="0"/>
-              <a:t>17/2/22</a:t>
+              <a:t>17/3/3</a:t>
             </a:fld>
             <a:endParaRPr kumimoji="1" lang="zh-CN" altLang="en-US"/>
           </a:p>
@@ -2287,7 +2288,7 @@
           <a:p>
             <a:fld id="{D7B12BEA-236C-5749-AF49-060B228B08C5}" type="datetimeFigureOut">
               <a:rPr kumimoji="1" lang="zh-CN" altLang="en-US" smtClean="0"/>
-              <a:t>17/2/22</a:t>
+              <a:t>17/3/3</a:t>
             </a:fld>
             <a:endParaRPr kumimoji="1" lang="zh-CN" altLang="en-US"/>
           </a:p>
@@ -2533,7 +2534,7 @@
           <a:p>
             <a:fld id="{D7B12BEA-236C-5749-AF49-060B228B08C5}" type="datetimeFigureOut">
               <a:rPr kumimoji="1" lang="zh-CN" altLang="en-US" smtClean="0"/>
-              <a:t>17/2/22</a:t>
+              <a:t>17/3/3</a:t>
             </a:fld>
             <a:endParaRPr kumimoji="1" lang="zh-CN" altLang="en-US"/>
           </a:p>
@@ -2821,7 +2822,7 @@
           <a:p>
             <a:fld id="{D7B12BEA-236C-5749-AF49-060B228B08C5}" type="datetimeFigureOut">
               <a:rPr kumimoji="1" lang="zh-CN" altLang="en-US" smtClean="0"/>
-              <a:t>17/2/22</a:t>
+              <a:t>17/3/3</a:t>
             </a:fld>
             <a:endParaRPr kumimoji="1" lang="zh-CN" altLang="en-US"/>
           </a:p>
@@ -3243,7 +3244,7 @@
           <a:p>
             <a:fld id="{D7B12BEA-236C-5749-AF49-060B228B08C5}" type="datetimeFigureOut">
               <a:rPr kumimoji="1" lang="zh-CN" altLang="en-US" smtClean="0"/>
-              <a:t>17/2/22</a:t>
+              <a:t>17/3/3</a:t>
             </a:fld>
             <a:endParaRPr kumimoji="1" lang="zh-CN" altLang="en-US"/>
           </a:p>
@@ -3361,7 +3362,7 @@
           <a:p>
             <a:fld id="{D7B12BEA-236C-5749-AF49-060B228B08C5}" type="datetimeFigureOut">
               <a:rPr kumimoji="1" lang="zh-CN" altLang="en-US" smtClean="0"/>
-              <a:t>17/2/22</a:t>
+              <a:t>17/3/3</a:t>
             </a:fld>
             <a:endParaRPr kumimoji="1" lang="zh-CN" altLang="en-US"/>
           </a:p>
@@ -3456,7 +3457,7 @@
           <a:p>
             <a:fld id="{D7B12BEA-236C-5749-AF49-060B228B08C5}" type="datetimeFigureOut">
               <a:rPr kumimoji="1" lang="zh-CN" altLang="en-US" smtClean="0"/>
-              <a:t>17/2/22</a:t>
+              <a:t>17/3/3</a:t>
             </a:fld>
             <a:endParaRPr kumimoji="1" lang="zh-CN" altLang="en-US"/>
           </a:p>
@@ -3733,7 +3734,7 @@
           <a:p>
             <a:fld id="{D7B12BEA-236C-5749-AF49-060B228B08C5}" type="datetimeFigureOut">
               <a:rPr kumimoji="1" lang="zh-CN" altLang="en-US" smtClean="0"/>
-              <a:t>17/2/22</a:t>
+              <a:t>17/3/3</a:t>
             </a:fld>
             <a:endParaRPr kumimoji="1" lang="zh-CN" altLang="en-US"/>
           </a:p>
@@ -3986,7 +3987,7 @@
           <a:p>
             <a:fld id="{D7B12BEA-236C-5749-AF49-060B228B08C5}" type="datetimeFigureOut">
               <a:rPr kumimoji="1" lang="zh-CN" altLang="en-US" smtClean="0"/>
-              <a:t>17/2/22</a:t>
+              <a:t>17/3/3</a:t>
             </a:fld>
             <a:endParaRPr kumimoji="1" lang="zh-CN" altLang="en-US"/>
           </a:p>
@@ -4199,7 +4200,7 @@
           <a:p>
             <a:fld id="{D7B12BEA-236C-5749-AF49-060B228B08C5}" type="datetimeFigureOut">
               <a:rPr kumimoji="1" lang="zh-CN" altLang="en-US" smtClean="0"/>
-              <a:t>17/2/22</a:t>
+              <a:t>17/3/3</a:t>
             </a:fld>
             <a:endParaRPr kumimoji="1" lang="zh-CN" altLang="en-US"/>
           </a:p>
@@ -5842,6 +5843,155 @@
       </p:par>
     </p:tnLst>
   </p:timing>
+</p:sld>
+</file>
+
+<file path=ppt/slides/slide9.xml><?xml version="1.0" encoding="utf-8"?>
+<p:sld xmlns:a="http://schemas.openxmlformats.org/drawingml/2006/main" xmlns:r="http://schemas.openxmlformats.org/officeDocument/2006/relationships" xmlns:p="http://schemas.openxmlformats.org/presentationml/2006/main">
+  <p:cSld>
+    <p:spTree>
+      <p:nvGrpSpPr>
+        <p:cNvPr id="1" name=""/>
+        <p:cNvGrpSpPr/>
+        <p:nvPr/>
+      </p:nvGrpSpPr>
+      <p:grpSpPr>
+        <a:xfrm>
+          <a:off x="0" y="0"/>
+          <a:ext cx="0" cy="0"/>
+          <a:chOff x="0" y="0"/>
+          <a:chExt cx="0" cy="0"/>
+        </a:xfrm>
+      </p:grpSpPr>
+      <p:sp>
+        <p:nvSpPr>
+          <p:cNvPr id="2" name="标题 1"/>
+          <p:cNvSpPr>
+            <a:spLocks noGrp="1"/>
+          </p:cNvSpPr>
+          <p:nvPr>
+            <p:ph type="title"/>
+          </p:nvPr>
+        </p:nvSpPr>
+        <p:spPr/>
+        <p:txBody>
+          <a:bodyPr/>
+          <a:lstStyle/>
+          <a:p>
+            <a:r>
+              <a:rPr kumimoji="1" lang="zh-CN" altLang="en-US" dirty="0" smtClean="0"/>
+              <a:t>小知识</a:t>
+            </a:r>
+            <a:endParaRPr kumimoji="1" lang="zh-CN" altLang="en-US" dirty="0"/>
+          </a:p>
+        </p:txBody>
+      </p:sp>
+      <p:sp>
+        <p:nvSpPr>
+          <p:cNvPr id="3" name="内容占位符 2"/>
+          <p:cNvSpPr>
+            <a:spLocks noGrp="1"/>
+          </p:cNvSpPr>
+          <p:nvPr>
+            <p:ph idx="1"/>
+          </p:nvPr>
+        </p:nvSpPr>
+        <p:spPr/>
+        <p:txBody>
+          <a:bodyPr/>
+          <a:lstStyle/>
+          <a:p>
+            <a:r>
+              <a:rPr kumimoji="1" lang="zh-CN" altLang="en-US" dirty="0" smtClean="0"/>
+              <a:t>数据的形式</a:t>
+            </a:r>
+            <a:endParaRPr kumimoji="1" lang="en-US" altLang="zh-CN" dirty="0" smtClean="0"/>
+          </a:p>
+          <a:p>
+            <a:pPr lvl="1"/>
+            <a:r>
+              <a:rPr kumimoji="1" lang="zh-CN" altLang="en-US" dirty="0" smtClean="0"/>
+              <a:t>数据库表记录</a:t>
+            </a:r>
+            <a:endParaRPr kumimoji="1" lang="en-US" altLang="zh-CN" dirty="0" smtClean="0"/>
+          </a:p>
+          <a:p>
+            <a:pPr lvl="1"/>
+            <a:r>
+              <a:rPr kumimoji="1" lang="en-US" altLang="zh-CN" dirty="0" smtClean="0"/>
+              <a:t>CSV</a:t>
+            </a:r>
+          </a:p>
+          <a:p>
+            <a:pPr lvl="1"/>
+            <a:r>
+              <a:rPr kumimoji="1" lang="en-US" altLang="zh-CN" dirty="0" smtClean="0"/>
+              <a:t>XML</a:t>
+            </a:r>
+            <a:endParaRPr kumimoji="1" lang="en-US" altLang="zh-CN" dirty="0"/>
+          </a:p>
+          <a:p>
+            <a:pPr lvl="1"/>
+            <a:r>
+              <a:rPr kumimoji="1" lang="en-US" altLang="zh-CN" dirty="0" smtClean="0"/>
+              <a:t>JSON</a:t>
+            </a:r>
+          </a:p>
+          <a:p>
+            <a:pPr lvl="1"/>
+            <a:r>
+              <a:rPr kumimoji="1" lang="en-US" altLang="zh-CN" dirty="0" smtClean="0"/>
+              <a:t>JAVA</a:t>
+            </a:r>
+            <a:r>
+              <a:rPr kumimoji="1" lang="zh-CN" altLang="en-US" dirty="0" smtClean="0"/>
+              <a:t>数组</a:t>
+            </a:r>
+            <a:r>
+              <a:rPr kumimoji="1" lang="zh-CN" altLang="en-US" dirty="0" smtClean="0"/>
+              <a:t>、</a:t>
+            </a:r>
+            <a:r>
+              <a:rPr kumimoji="1" lang="zh-CN" altLang="en-US" dirty="0" smtClean="0"/>
+              <a:t>对象</a:t>
+            </a:r>
+            <a:endParaRPr kumimoji="1" lang="en-US" altLang="zh-CN" dirty="0" smtClean="0"/>
+          </a:p>
+          <a:p>
+            <a:pPr lvl="1"/>
+            <a:r>
+              <a:rPr kumimoji="1" lang="en-US" altLang="zh-CN" dirty="0" smtClean="0"/>
+              <a:t>JS</a:t>
+            </a:r>
+            <a:r>
+              <a:rPr kumimoji="1" lang="zh-CN" altLang="en-US" dirty="0" smtClean="0"/>
+              <a:t>数组、</a:t>
+            </a:r>
+            <a:r>
+              <a:rPr kumimoji="1" lang="zh-CN" altLang="en-US" dirty="0"/>
+              <a:t>对</a:t>
+            </a:r>
+            <a:r>
+              <a:rPr kumimoji="1" lang="zh-CN" altLang="en-US" dirty="0" smtClean="0"/>
+              <a:t>象</a:t>
+            </a:r>
+            <a:endParaRPr kumimoji="1" lang="en-US" altLang="zh-CN" dirty="0" smtClean="0"/>
+          </a:p>
+          <a:p>
+            <a:endParaRPr kumimoji="1" lang="zh-CN" altLang="en-US" dirty="0"/>
+          </a:p>
+        </p:txBody>
+      </p:sp>
+    </p:spTree>
+    <p:extLst>
+      <p:ext uri="{BB962C8B-B14F-4D97-AF65-F5344CB8AC3E}">
+        <p14:creationId xmlns:p14="http://schemas.microsoft.com/office/powerpoint/2010/main" val="919652797"/>
+      </p:ext>
+    </p:extLst>
+  </p:cSld>
+  <p:clrMapOvr>
+    <a:masterClrMapping/>
+  </p:clrMapOvr>
 </p:sld>
 </file>
 
